--- a/Docs/API/user.pptx
+++ b/Docs/API/user.pptx
@@ -7,6 +7,7 @@
   <p:sldIdLst>
     <p:sldId id="256" r:id="rId2"/>
     <p:sldId id="257" r:id="rId3"/>
+    <p:sldId id="258" r:id="rId4"/>
   </p:sldIdLst>
   <p:sldSz cx="12192000" cy="6858000"/>
   <p:notesSz cx="6858000" cy="9144000"/>
@@ -105,6 +106,11 @@
       </a:defRPr>
     </a:lvl9pPr>
   </p:defaultTextStyle>
+  <p:extLst>
+    <p:ext uri="{EFAFB233-063F-42B5-8137-9DF3F51BA10A}">
+      <p15:sldGuideLst xmlns:p15="http://schemas.microsoft.com/office/powerpoint/2012/main"/>
+    </p:ext>
+  </p:extLst>
 </p:presentation>
 </file>
 
@@ -382,7 +388,7 @@
           <a:p>
             <a:fld id="{6C650183-6401-4A89-89C6-9E0A134ED7B1}" type="datetimeFigureOut">
               <a:rPr lang="en-IN" smtClean="0"/>
-              <a:t>13-08-2020</a:t>
+              <a:t>14-08-2020</a:t>
             </a:fld>
             <a:endParaRPr lang="en-IN"/>
           </a:p>
@@ -796,7 +802,7 @@
           <a:p>
             <a:fld id="{6C650183-6401-4A89-89C6-9E0A134ED7B1}" type="datetimeFigureOut">
               <a:rPr lang="en-IN" smtClean="0"/>
-              <a:t>13-08-2020</a:t>
+              <a:t>14-08-2020</a:t>
             </a:fld>
             <a:endParaRPr lang="en-IN"/>
           </a:p>
@@ -1132,7 +1138,7 @@
           <a:p>
             <a:fld id="{6C650183-6401-4A89-89C6-9E0A134ED7B1}" type="datetimeFigureOut">
               <a:rPr lang="en-IN" smtClean="0"/>
-              <a:t>13-08-2020</a:t>
+              <a:t>14-08-2020</a:t>
             </a:fld>
             <a:endParaRPr lang="en-IN"/>
           </a:p>
@@ -1537,7 +1543,7 @@
           <a:p>
             <a:fld id="{6C650183-6401-4A89-89C6-9E0A134ED7B1}" type="datetimeFigureOut">
               <a:rPr lang="en-IN" smtClean="0"/>
-              <a:t>13-08-2020</a:t>
+              <a:t>14-08-2020</a:t>
             </a:fld>
             <a:endParaRPr lang="en-IN"/>
           </a:p>
@@ -2105,7 +2111,7 @@
           <a:p>
             <a:fld id="{6C650183-6401-4A89-89C6-9E0A134ED7B1}" type="datetimeFigureOut">
               <a:rPr lang="en-IN" smtClean="0"/>
-              <a:t>13-08-2020</a:t>
+              <a:t>14-08-2020</a:t>
             </a:fld>
             <a:endParaRPr lang="en-IN"/>
           </a:p>
@@ -2786,7 +2792,7 @@
           <a:p>
             <a:fld id="{6C650183-6401-4A89-89C6-9E0A134ED7B1}" type="datetimeFigureOut">
               <a:rPr lang="en-IN" smtClean="0"/>
-              <a:t>13-08-2020</a:t>
+              <a:t>14-08-2020</a:t>
             </a:fld>
             <a:endParaRPr lang="en-IN"/>
           </a:p>
@@ -3699,7 +3705,7 @@
           <a:p>
             <a:fld id="{6C650183-6401-4A89-89C6-9E0A134ED7B1}" type="datetimeFigureOut">
               <a:rPr lang="en-IN" smtClean="0"/>
-              <a:t>13-08-2020</a:t>
+              <a:t>14-08-2020</a:t>
             </a:fld>
             <a:endParaRPr lang="en-IN"/>
           </a:p>
@@ -4012,7 +4018,7 @@
           <a:p>
             <a:fld id="{6C650183-6401-4A89-89C6-9E0A134ED7B1}" type="datetimeFigureOut">
               <a:rPr lang="en-IN" smtClean="0"/>
-              <a:t>13-08-2020</a:t>
+              <a:t>14-08-2020</a:t>
             </a:fld>
             <a:endParaRPr lang="en-IN"/>
           </a:p>
@@ -4276,7 +4282,7 @@
           <a:p>
             <a:fld id="{6C650183-6401-4A89-89C6-9E0A134ED7B1}" type="datetimeFigureOut">
               <a:rPr lang="en-IN" smtClean="0"/>
-              <a:t>13-08-2020</a:t>
+              <a:t>14-08-2020</a:t>
             </a:fld>
             <a:endParaRPr lang="en-IN"/>
           </a:p>
@@ -4599,7 +4605,7 @@
           <a:p>
             <a:fld id="{6C650183-6401-4A89-89C6-9E0A134ED7B1}" type="datetimeFigureOut">
               <a:rPr lang="en-IN" smtClean="0"/>
-              <a:t>13-08-2020</a:t>
+              <a:t>14-08-2020</a:t>
             </a:fld>
             <a:endParaRPr lang="en-IN"/>
           </a:p>
@@ -4988,7 +4994,7 @@
           <a:p>
             <a:fld id="{6C650183-6401-4A89-89C6-9E0A134ED7B1}" type="datetimeFigureOut">
               <a:rPr lang="en-IN" smtClean="0"/>
-              <a:t>13-08-2020</a:t>
+              <a:t>14-08-2020</a:t>
             </a:fld>
             <a:endParaRPr lang="en-IN"/>
           </a:p>
@@ -5364,7 +5370,7 @@
           <a:p>
             <a:fld id="{6C650183-6401-4A89-89C6-9E0A134ED7B1}" type="datetimeFigureOut">
               <a:rPr lang="en-IN" smtClean="0"/>
-              <a:t>13-08-2020</a:t>
+              <a:t>14-08-2020</a:t>
             </a:fld>
             <a:endParaRPr lang="en-IN"/>
           </a:p>
@@ -5875,7 +5881,7 @@
           <a:p>
             <a:fld id="{6C650183-6401-4A89-89C6-9E0A134ED7B1}" type="datetimeFigureOut">
               <a:rPr lang="en-IN" smtClean="0"/>
-              <a:t>13-08-2020</a:t>
+              <a:t>14-08-2020</a:t>
             </a:fld>
             <a:endParaRPr lang="en-IN"/>
           </a:p>
@@ -6137,7 +6143,7 @@
           <a:p>
             <a:fld id="{6C650183-6401-4A89-89C6-9E0A134ED7B1}" type="datetimeFigureOut">
               <a:rPr lang="en-IN" smtClean="0"/>
-              <a:t>13-08-2020</a:t>
+              <a:t>14-08-2020</a:t>
             </a:fld>
             <a:endParaRPr lang="en-IN"/>
           </a:p>
@@ -6300,7 +6306,7 @@
           <a:p>
             <a:fld id="{6C650183-6401-4A89-89C6-9E0A134ED7B1}" type="datetimeFigureOut">
               <a:rPr lang="en-IN" smtClean="0"/>
-              <a:t>13-08-2020</a:t>
+              <a:t>14-08-2020</a:t>
             </a:fld>
             <a:endParaRPr lang="en-IN"/>
           </a:p>
@@ -6690,7 +6696,7 @@
           <a:p>
             <a:fld id="{6C650183-6401-4A89-89C6-9E0A134ED7B1}" type="datetimeFigureOut">
               <a:rPr lang="en-IN" smtClean="0"/>
-              <a:t>13-08-2020</a:t>
+              <a:t>14-08-2020</a:t>
             </a:fld>
             <a:endParaRPr lang="en-IN"/>
           </a:p>
@@ -7104,7 +7110,7 @@
           <a:p>
             <a:fld id="{6C650183-6401-4A89-89C6-9E0A134ED7B1}" type="datetimeFigureOut">
               <a:rPr lang="en-IN" smtClean="0"/>
-              <a:t>13-08-2020</a:t>
+              <a:t>14-08-2020</a:t>
             </a:fld>
             <a:endParaRPr lang="en-IN"/>
           </a:p>
@@ -7348,7 +7354,7 @@
           <a:p>
             <a:fld id="{6C650183-6401-4A89-89C6-9E0A134ED7B1}" type="datetimeFigureOut">
               <a:rPr lang="en-IN" smtClean="0"/>
-              <a:t>13-08-2020</a:t>
+              <a:t>14-08-2020</a:t>
             </a:fld>
             <a:endParaRPr lang="en-IN"/>
           </a:p>
@@ -7875,7 +7881,7 @@
           <a:p>
             <a:r>
               <a:rPr lang="en-US" dirty="0"/>
-              <a:t>Signup  </a:t>
+              <a:t>Sign Up  </a:t>
             </a:r>
             <a:endParaRPr lang="en-IN" dirty="0"/>
           </a:p>
@@ -8067,6 +8073,245 @@
     <p:extLst>
       <p:ext uri="{BB962C8B-B14F-4D97-AF65-F5344CB8AC3E}">
         <p14:creationId xmlns:p14="http://schemas.microsoft.com/office/powerpoint/2010/main" val="2758819699"/>
+      </p:ext>
+    </p:extLst>
+  </p:cSld>
+  <p:clrMapOvr>
+    <a:masterClrMapping/>
+  </p:clrMapOvr>
+</p:sld>
+</file>
+
+<file path=ppt/slides/slide3.xml><?xml version="1.0" encoding="utf-8"?>
+<p:sld xmlns:a="http://schemas.openxmlformats.org/drawingml/2006/main" xmlns:r="http://schemas.openxmlformats.org/officeDocument/2006/relationships" xmlns:p="http://schemas.openxmlformats.org/presentationml/2006/main">
+  <p:cSld>
+    <p:spTree>
+      <p:nvGrpSpPr>
+        <p:cNvPr id="1" name=""/>
+        <p:cNvGrpSpPr/>
+        <p:nvPr/>
+      </p:nvGrpSpPr>
+      <p:grpSpPr>
+        <a:xfrm>
+          <a:off x="0" y="0"/>
+          <a:ext cx="0" cy="0"/>
+          <a:chOff x="0" y="0"/>
+          <a:chExt cx="0" cy="0"/>
+        </a:xfrm>
+      </p:grpSpPr>
+      <p:sp>
+        <p:nvSpPr>
+          <p:cNvPr id="2" name="Title 1">
+            <a:extLst>
+              <a:ext uri="{FF2B5EF4-FFF2-40B4-BE49-F238E27FC236}">
+                <a16:creationId xmlns:a16="http://schemas.microsoft.com/office/drawing/2014/main" id="{0F302368-D0A5-4C9F-9D4F-109490930E3A}"/>
+              </a:ext>
+            </a:extLst>
+          </p:cNvPr>
+          <p:cNvSpPr>
+            <a:spLocks noGrp="1"/>
+          </p:cNvSpPr>
+          <p:nvPr>
+            <p:ph type="title"/>
+          </p:nvPr>
+        </p:nvSpPr>
+        <p:spPr/>
+        <p:txBody>
+          <a:bodyPr/>
+          <a:lstStyle/>
+          <a:p>
+            <a:r>
+              <a:rPr lang="en-US" dirty="0"/>
+              <a:t>Sign In</a:t>
+            </a:r>
+            <a:endParaRPr lang="en-IN" dirty="0"/>
+          </a:p>
+        </p:txBody>
+      </p:sp>
+      <p:sp>
+        <p:nvSpPr>
+          <p:cNvPr id="3" name="Content Placeholder 2">
+            <a:extLst>
+              <a:ext uri="{FF2B5EF4-FFF2-40B4-BE49-F238E27FC236}">
+                <a16:creationId xmlns:a16="http://schemas.microsoft.com/office/drawing/2014/main" id="{62E8CF76-528C-4656-870C-30690CEF849C}"/>
+              </a:ext>
+            </a:extLst>
+          </p:cNvPr>
+          <p:cNvSpPr>
+            <a:spLocks noGrp="1"/>
+          </p:cNvSpPr>
+          <p:nvPr>
+            <p:ph idx="1"/>
+          </p:nvPr>
+        </p:nvSpPr>
+        <p:spPr/>
+        <p:txBody>
+          <a:bodyPr>
+            <a:normAutofit lnSpcReduction="10000"/>
+          </a:bodyPr>
+          <a:lstStyle/>
+          <a:p>
+            <a:r>
+              <a:rPr lang="en-US" dirty="0"/>
+              <a:t>End Point : </a:t>
+            </a:r>
+            <a:r>
+              <a:rPr lang="en-IN" b="0" i="0" dirty="0">
+                <a:solidFill>
+                  <a:srgbClr val="505050"/>
+                </a:solidFill>
+                <a:effectLst/>
+                <a:latin typeface="OpenSans"/>
+                <a:hlinkClick r:id="rId2"/>
+              </a:rPr>
+              <a:t>https://lexa-api.uc.r.appspot.com/api/v1/signup</a:t>
+            </a:r>
+            <a:endParaRPr lang="en-US" b="0" i="0" dirty="0">
+              <a:solidFill>
+                <a:srgbClr val="505050"/>
+              </a:solidFill>
+              <a:effectLst/>
+              <a:latin typeface="OpenSans"/>
+            </a:endParaRPr>
+          </a:p>
+          <a:p>
+            <a:r>
+              <a:rPr lang="en-IN" b="0" i="0" dirty="0">
+                <a:solidFill>
+                  <a:srgbClr val="505050"/>
+                </a:solidFill>
+                <a:effectLst/>
+                <a:latin typeface="OpenSans"/>
+              </a:rPr>
+              <a:t>The Above Endpoint Takes</a:t>
+            </a:r>
+          </a:p>
+          <a:p>
+            <a:pPr lvl="1"/>
+            <a:r>
+              <a:rPr lang="en-IN" dirty="0">
+                <a:solidFill>
+                  <a:srgbClr val="505050"/>
+                </a:solidFill>
+                <a:latin typeface="OpenSans"/>
+              </a:rPr>
+              <a:t>Email</a:t>
+            </a:r>
+          </a:p>
+          <a:p>
+            <a:pPr lvl="1"/>
+            <a:r>
+              <a:rPr lang="en-IN" b="0" i="0" dirty="0">
+                <a:solidFill>
+                  <a:srgbClr val="505050"/>
+                </a:solidFill>
+                <a:effectLst/>
+                <a:latin typeface="OpenSans"/>
+              </a:rPr>
+              <a:t>Password</a:t>
+            </a:r>
+          </a:p>
+          <a:p>
+            <a:pPr lvl="1">
+              <a:buFont typeface="Wingdings" panose="05000000000000000000" pitchFamily="2" charset="2"/>
+              <a:buChar char="v"/>
+            </a:pPr>
+            <a:r>
+              <a:rPr lang="en-IN" b="0" i="0" dirty="0">
+                <a:solidFill>
+                  <a:srgbClr val="505050"/>
+                </a:solidFill>
+                <a:effectLst/>
+                <a:latin typeface="OpenSans"/>
+              </a:rPr>
+              <a:t> API checks for email existence , if No user is found with the provided email ID. </a:t>
+            </a:r>
+            <a:r>
+              <a:rPr lang="en-IN" dirty="0">
+                <a:solidFill>
+                  <a:srgbClr val="505050"/>
+                </a:solidFill>
+                <a:latin typeface="OpenSans"/>
+              </a:rPr>
+              <a:t>API  send a error response saying “NO User Found With Given Email”.</a:t>
+            </a:r>
+          </a:p>
+          <a:p>
+            <a:pPr lvl="1">
+              <a:buFont typeface="Wingdings" panose="05000000000000000000" pitchFamily="2" charset="2"/>
+              <a:buChar char="v"/>
+            </a:pPr>
+            <a:r>
+              <a:rPr lang="en-IN" b="0" i="0" dirty="0">
+                <a:solidFill>
+                  <a:srgbClr val="505050"/>
+                </a:solidFill>
+                <a:effectLst/>
+                <a:latin typeface="OpenSans"/>
+              </a:rPr>
+              <a:t> Once The Email is verified API checks for Password By comparing DB stored  password . If Password is wrong API sends Error response saying “Entered Password is Wrong”.</a:t>
+            </a:r>
+          </a:p>
+          <a:p>
+            <a:pPr lvl="1">
+              <a:buFont typeface="Wingdings" panose="05000000000000000000" pitchFamily="2" charset="2"/>
+              <a:buChar char="v"/>
+            </a:pPr>
+            <a:r>
+              <a:rPr lang="en-IN" b="0" i="0" dirty="0">
+                <a:solidFill>
+                  <a:srgbClr val="505050"/>
+                </a:solidFill>
+                <a:effectLst/>
+                <a:latin typeface="OpenSans"/>
+              </a:rPr>
+              <a:t> Once all Checks are done User gets new Token with </a:t>
+            </a:r>
+            <a:r>
+              <a:rPr lang="en-IN" b="0" i="0">
+                <a:solidFill>
+                  <a:srgbClr val="505050"/>
+                </a:solidFill>
+                <a:effectLst/>
+                <a:latin typeface="OpenSans"/>
+              </a:rPr>
+              <a:t>his Payload</a:t>
+            </a:r>
+            <a:endParaRPr lang="en-IN" b="0" i="0" dirty="0">
+              <a:solidFill>
+                <a:srgbClr val="505050"/>
+              </a:solidFill>
+              <a:effectLst/>
+              <a:latin typeface="OpenSans"/>
+            </a:endParaRPr>
+          </a:p>
+          <a:p>
+            <a:pPr marL="0" indent="0">
+              <a:buNone/>
+            </a:pPr>
+            <a:r>
+              <a:rPr lang="en-IN" dirty="0">
+                <a:solidFill>
+                  <a:srgbClr val="505050"/>
+                </a:solidFill>
+                <a:latin typeface="OpenSans"/>
+              </a:rPr>
+              <a:t>	</a:t>
+            </a:r>
+            <a:endParaRPr lang="en-IN" b="0" i="0" dirty="0">
+              <a:solidFill>
+                <a:srgbClr val="505050"/>
+              </a:solidFill>
+              <a:effectLst/>
+              <a:latin typeface="OpenSans"/>
+            </a:endParaRPr>
+          </a:p>
+        </p:txBody>
+      </p:sp>
+    </p:spTree>
+    <p:extLst>
+      <p:ext uri="{BB962C8B-B14F-4D97-AF65-F5344CB8AC3E}">
+        <p14:creationId xmlns:p14="http://schemas.microsoft.com/office/powerpoint/2010/main" val="902431435"/>
       </p:ext>
     </p:extLst>
   </p:cSld>

--- a/Docs/API/user.pptx
+++ b/Docs/API/user.pptx
@@ -8,6 +8,8 @@
     <p:sldId id="256" r:id="rId2"/>
     <p:sldId id="257" r:id="rId3"/>
     <p:sldId id="258" r:id="rId4"/>
+    <p:sldId id="259" r:id="rId5"/>
+    <p:sldId id="260" r:id="rId6"/>
   </p:sldIdLst>
   <p:sldSz cx="12192000" cy="6858000"/>
   <p:notesSz cx="6858000" cy="9144000"/>
@@ -388,7 +390,7 @@
           <a:p>
             <a:fld id="{6C650183-6401-4A89-89C6-9E0A134ED7B1}" type="datetimeFigureOut">
               <a:rPr lang="en-IN" smtClean="0"/>
-              <a:t>14-08-2020</a:t>
+              <a:t>18-08-2020</a:t>
             </a:fld>
             <a:endParaRPr lang="en-IN"/>
           </a:p>
@@ -802,7 +804,7 @@
           <a:p>
             <a:fld id="{6C650183-6401-4A89-89C6-9E0A134ED7B1}" type="datetimeFigureOut">
               <a:rPr lang="en-IN" smtClean="0"/>
-              <a:t>14-08-2020</a:t>
+              <a:t>18-08-2020</a:t>
             </a:fld>
             <a:endParaRPr lang="en-IN"/>
           </a:p>
@@ -1138,7 +1140,7 @@
           <a:p>
             <a:fld id="{6C650183-6401-4A89-89C6-9E0A134ED7B1}" type="datetimeFigureOut">
               <a:rPr lang="en-IN" smtClean="0"/>
-              <a:t>14-08-2020</a:t>
+              <a:t>18-08-2020</a:t>
             </a:fld>
             <a:endParaRPr lang="en-IN"/>
           </a:p>
@@ -1543,7 +1545,7 @@
           <a:p>
             <a:fld id="{6C650183-6401-4A89-89C6-9E0A134ED7B1}" type="datetimeFigureOut">
               <a:rPr lang="en-IN" smtClean="0"/>
-              <a:t>14-08-2020</a:t>
+              <a:t>18-08-2020</a:t>
             </a:fld>
             <a:endParaRPr lang="en-IN"/>
           </a:p>
@@ -2111,7 +2113,7 @@
           <a:p>
             <a:fld id="{6C650183-6401-4A89-89C6-9E0A134ED7B1}" type="datetimeFigureOut">
               <a:rPr lang="en-IN" smtClean="0"/>
-              <a:t>14-08-2020</a:t>
+              <a:t>18-08-2020</a:t>
             </a:fld>
             <a:endParaRPr lang="en-IN"/>
           </a:p>
@@ -2792,7 +2794,7 @@
           <a:p>
             <a:fld id="{6C650183-6401-4A89-89C6-9E0A134ED7B1}" type="datetimeFigureOut">
               <a:rPr lang="en-IN" smtClean="0"/>
-              <a:t>14-08-2020</a:t>
+              <a:t>18-08-2020</a:t>
             </a:fld>
             <a:endParaRPr lang="en-IN"/>
           </a:p>
@@ -3705,7 +3707,7 @@
           <a:p>
             <a:fld id="{6C650183-6401-4A89-89C6-9E0A134ED7B1}" type="datetimeFigureOut">
               <a:rPr lang="en-IN" smtClean="0"/>
-              <a:t>14-08-2020</a:t>
+              <a:t>18-08-2020</a:t>
             </a:fld>
             <a:endParaRPr lang="en-IN"/>
           </a:p>
@@ -4018,7 +4020,7 @@
           <a:p>
             <a:fld id="{6C650183-6401-4A89-89C6-9E0A134ED7B1}" type="datetimeFigureOut">
               <a:rPr lang="en-IN" smtClean="0"/>
-              <a:t>14-08-2020</a:t>
+              <a:t>18-08-2020</a:t>
             </a:fld>
             <a:endParaRPr lang="en-IN"/>
           </a:p>
@@ -4282,7 +4284,7 @@
           <a:p>
             <a:fld id="{6C650183-6401-4A89-89C6-9E0A134ED7B1}" type="datetimeFigureOut">
               <a:rPr lang="en-IN" smtClean="0"/>
-              <a:t>14-08-2020</a:t>
+              <a:t>18-08-2020</a:t>
             </a:fld>
             <a:endParaRPr lang="en-IN"/>
           </a:p>
@@ -4605,7 +4607,7 @@
           <a:p>
             <a:fld id="{6C650183-6401-4A89-89C6-9E0A134ED7B1}" type="datetimeFigureOut">
               <a:rPr lang="en-IN" smtClean="0"/>
-              <a:t>14-08-2020</a:t>
+              <a:t>18-08-2020</a:t>
             </a:fld>
             <a:endParaRPr lang="en-IN"/>
           </a:p>
@@ -4994,7 +4996,7 @@
           <a:p>
             <a:fld id="{6C650183-6401-4A89-89C6-9E0A134ED7B1}" type="datetimeFigureOut">
               <a:rPr lang="en-IN" smtClean="0"/>
-              <a:t>14-08-2020</a:t>
+              <a:t>18-08-2020</a:t>
             </a:fld>
             <a:endParaRPr lang="en-IN"/>
           </a:p>
@@ -5370,7 +5372,7 @@
           <a:p>
             <a:fld id="{6C650183-6401-4A89-89C6-9E0A134ED7B1}" type="datetimeFigureOut">
               <a:rPr lang="en-IN" smtClean="0"/>
-              <a:t>14-08-2020</a:t>
+              <a:t>18-08-2020</a:t>
             </a:fld>
             <a:endParaRPr lang="en-IN"/>
           </a:p>
@@ -5881,7 +5883,7 @@
           <a:p>
             <a:fld id="{6C650183-6401-4A89-89C6-9E0A134ED7B1}" type="datetimeFigureOut">
               <a:rPr lang="en-IN" smtClean="0"/>
-              <a:t>14-08-2020</a:t>
+              <a:t>18-08-2020</a:t>
             </a:fld>
             <a:endParaRPr lang="en-IN"/>
           </a:p>
@@ -6143,7 +6145,7 @@
           <a:p>
             <a:fld id="{6C650183-6401-4A89-89C6-9E0A134ED7B1}" type="datetimeFigureOut">
               <a:rPr lang="en-IN" smtClean="0"/>
-              <a:t>14-08-2020</a:t>
+              <a:t>18-08-2020</a:t>
             </a:fld>
             <a:endParaRPr lang="en-IN"/>
           </a:p>
@@ -6306,7 +6308,7 @@
           <a:p>
             <a:fld id="{6C650183-6401-4A89-89C6-9E0A134ED7B1}" type="datetimeFigureOut">
               <a:rPr lang="en-IN" smtClean="0"/>
-              <a:t>14-08-2020</a:t>
+              <a:t>18-08-2020</a:t>
             </a:fld>
             <a:endParaRPr lang="en-IN"/>
           </a:p>
@@ -6696,7 +6698,7 @@
           <a:p>
             <a:fld id="{6C650183-6401-4A89-89C6-9E0A134ED7B1}" type="datetimeFigureOut">
               <a:rPr lang="en-IN" smtClean="0"/>
-              <a:t>14-08-2020</a:t>
+              <a:t>18-08-2020</a:t>
             </a:fld>
             <a:endParaRPr lang="en-IN"/>
           </a:p>
@@ -7110,7 +7112,7 @@
           <a:p>
             <a:fld id="{6C650183-6401-4A89-89C6-9E0A134ED7B1}" type="datetimeFigureOut">
               <a:rPr lang="en-IN" smtClean="0"/>
-              <a:t>14-08-2020</a:t>
+              <a:t>18-08-2020</a:t>
             </a:fld>
             <a:endParaRPr lang="en-IN"/>
           </a:p>
@@ -7354,7 +7356,7 @@
           <a:p>
             <a:fld id="{6C650183-6401-4A89-89C6-9E0A134ED7B1}" type="datetimeFigureOut">
               <a:rPr lang="en-IN" smtClean="0"/>
-              <a:t>14-08-2020</a:t>
+              <a:t>18-08-2020</a:t>
             </a:fld>
             <a:endParaRPr lang="en-IN"/>
           </a:p>
@@ -8265,17 +8267,21 @@
                 <a:effectLst/>
                 <a:latin typeface="OpenSans"/>
               </a:rPr>
-              <a:t> Once all Checks are done User gets new Token with </a:t>
-            </a:r>
-            <a:r>
-              <a:rPr lang="en-IN" b="0" i="0">
+              <a:t> Once all Checks are done User gets new Token with his Payload</a:t>
+            </a:r>
+          </a:p>
+          <a:p>
+            <a:pPr marL="0" indent="0">
+              <a:buNone/>
+            </a:pPr>
+            <a:r>
+              <a:rPr lang="en-IN" dirty="0">
                 <a:solidFill>
                   <a:srgbClr val="505050"/>
                 </a:solidFill>
-                <a:effectLst/>
                 <a:latin typeface="OpenSans"/>
               </a:rPr>
-              <a:t>his Payload</a:t>
+              <a:t>	</a:t>
             </a:r>
             <a:endParaRPr lang="en-IN" b="0" i="0" dirty="0">
               <a:solidFill>
@@ -8285,10 +8291,222 @@
               <a:latin typeface="OpenSans"/>
             </a:endParaRPr>
           </a:p>
-          <a:p>
-            <a:pPr marL="0" indent="0">
-              <a:buNone/>
-            </a:pPr>
+        </p:txBody>
+      </p:sp>
+    </p:spTree>
+    <p:extLst>
+      <p:ext uri="{BB962C8B-B14F-4D97-AF65-F5344CB8AC3E}">
+        <p14:creationId xmlns:p14="http://schemas.microsoft.com/office/powerpoint/2010/main" val="902431435"/>
+      </p:ext>
+    </p:extLst>
+  </p:cSld>
+  <p:clrMapOvr>
+    <a:masterClrMapping/>
+  </p:clrMapOvr>
+</p:sld>
+</file>
+
+<file path=ppt/slides/slide4.xml><?xml version="1.0" encoding="utf-8"?>
+<p:sld xmlns:a="http://schemas.openxmlformats.org/drawingml/2006/main" xmlns:r="http://schemas.openxmlformats.org/officeDocument/2006/relationships" xmlns:p="http://schemas.openxmlformats.org/presentationml/2006/main">
+  <p:cSld>
+    <p:spTree>
+      <p:nvGrpSpPr>
+        <p:cNvPr id="1" name=""/>
+        <p:cNvGrpSpPr/>
+        <p:nvPr/>
+      </p:nvGrpSpPr>
+      <p:grpSpPr>
+        <a:xfrm>
+          <a:off x="0" y="0"/>
+          <a:ext cx="0" cy="0"/>
+          <a:chOff x="0" y="0"/>
+          <a:chExt cx="0" cy="0"/>
+        </a:xfrm>
+      </p:grpSpPr>
+      <p:sp>
+        <p:nvSpPr>
+          <p:cNvPr id="2" name="Title 1">
+            <a:extLst>
+              <a:ext uri="{FF2B5EF4-FFF2-40B4-BE49-F238E27FC236}">
+                <a16:creationId xmlns:a16="http://schemas.microsoft.com/office/drawing/2014/main" id="{70DA2EE6-2B2A-421F-840B-820292EF415C}"/>
+              </a:ext>
+            </a:extLst>
+          </p:cNvPr>
+          <p:cNvSpPr>
+            <a:spLocks noGrp="1"/>
+          </p:cNvSpPr>
+          <p:nvPr>
+            <p:ph type="title"/>
+          </p:nvPr>
+        </p:nvSpPr>
+        <p:spPr/>
+        <p:txBody>
+          <a:bodyPr/>
+          <a:lstStyle/>
+          <a:p>
+            <a:r>
+              <a:rPr lang="en-US" dirty="0"/>
+              <a:t>JWT AUTH Settings</a:t>
+            </a:r>
+            <a:endParaRPr lang="en-IN" dirty="0"/>
+          </a:p>
+        </p:txBody>
+      </p:sp>
+      <p:sp>
+        <p:nvSpPr>
+          <p:cNvPr id="3" name="Content Placeholder 2">
+            <a:extLst>
+              <a:ext uri="{FF2B5EF4-FFF2-40B4-BE49-F238E27FC236}">
+                <a16:creationId xmlns:a16="http://schemas.microsoft.com/office/drawing/2014/main" id="{7099AE5A-B339-48CD-BB2C-74929F61AC72}"/>
+              </a:ext>
+            </a:extLst>
+          </p:cNvPr>
+          <p:cNvSpPr>
+            <a:spLocks noGrp="1"/>
+          </p:cNvSpPr>
+          <p:nvPr>
+            <p:ph idx="1"/>
+          </p:nvPr>
+        </p:nvSpPr>
+        <p:spPr/>
+        <p:txBody>
+          <a:bodyPr/>
+          <a:lstStyle/>
+          <a:p>
+            <a:r>
+              <a:rPr lang="en-US" dirty="0"/>
+              <a:t>User is By default signed for 24h</a:t>
+            </a:r>
+          </a:p>
+          <a:p>
+            <a:r>
+              <a:rPr lang="en-US" dirty="0"/>
+              <a:t>If User chooses  keep Signed In Token Will be </a:t>
+            </a:r>
+            <a:r>
+              <a:rPr lang="en-US"/>
+              <a:t>valid forever </a:t>
+            </a:r>
+            <a:endParaRPr lang="en-IN" dirty="0"/>
+          </a:p>
+        </p:txBody>
+      </p:sp>
+    </p:spTree>
+    <p:extLst>
+      <p:ext uri="{BB962C8B-B14F-4D97-AF65-F5344CB8AC3E}">
+        <p14:creationId xmlns:p14="http://schemas.microsoft.com/office/powerpoint/2010/main" val="3816652680"/>
+      </p:ext>
+    </p:extLst>
+  </p:cSld>
+  <p:clrMapOvr>
+    <a:masterClrMapping/>
+  </p:clrMapOvr>
+</p:sld>
+</file>
+
+<file path=ppt/slides/slide5.xml><?xml version="1.0" encoding="utf-8"?>
+<p:sld xmlns:a="http://schemas.openxmlformats.org/drawingml/2006/main" xmlns:r="http://schemas.openxmlformats.org/officeDocument/2006/relationships" xmlns:p="http://schemas.openxmlformats.org/presentationml/2006/main">
+  <p:cSld>
+    <p:spTree>
+      <p:nvGrpSpPr>
+        <p:cNvPr id="1" name=""/>
+        <p:cNvGrpSpPr/>
+        <p:nvPr/>
+      </p:nvGrpSpPr>
+      <p:grpSpPr>
+        <a:xfrm>
+          <a:off x="0" y="0"/>
+          <a:ext cx="0" cy="0"/>
+          <a:chOff x="0" y="0"/>
+          <a:chExt cx="0" cy="0"/>
+        </a:xfrm>
+      </p:grpSpPr>
+      <p:sp>
+        <p:nvSpPr>
+          <p:cNvPr id="2" name="Title 1">
+            <a:extLst>
+              <a:ext uri="{FF2B5EF4-FFF2-40B4-BE49-F238E27FC236}">
+                <a16:creationId xmlns:a16="http://schemas.microsoft.com/office/drawing/2014/main" id="{11A5A52E-05D8-4C30-929B-B216E591A412}"/>
+              </a:ext>
+            </a:extLst>
+          </p:cNvPr>
+          <p:cNvSpPr>
+            <a:spLocks noGrp="1"/>
+          </p:cNvSpPr>
+          <p:nvPr>
+            <p:ph type="title"/>
+          </p:nvPr>
+        </p:nvSpPr>
+        <p:spPr/>
+        <p:txBody>
+          <a:bodyPr/>
+          <a:lstStyle/>
+          <a:p>
+            <a:r>
+              <a:rPr lang="en-IN" dirty="0">
+                <a:latin typeface="Consolas" panose="020B0609020204030204" pitchFamily="49" charset="0"/>
+              </a:rPr>
+              <a:t>A</a:t>
+            </a:r>
+            <a:r>
+              <a:rPr lang="en-IN" b="0" dirty="0">
+                <a:effectLst/>
+                <a:latin typeface="Consolas" panose="020B0609020204030204" pitchFamily="49" charset="0"/>
+              </a:rPr>
+              <a:t>ccredited / authorized</a:t>
+            </a:r>
+            <a:endParaRPr lang="en-IN" dirty="0"/>
+          </a:p>
+        </p:txBody>
+      </p:sp>
+      <p:sp>
+        <p:nvSpPr>
+          <p:cNvPr id="3" name="Content Placeholder 2">
+            <a:extLst>
+              <a:ext uri="{FF2B5EF4-FFF2-40B4-BE49-F238E27FC236}">
+                <a16:creationId xmlns:a16="http://schemas.microsoft.com/office/drawing/2014/main" id="{8D7C8EDD-5212-4425-82A3-35726B988448}"/>
+              </a:ext>
+            </a:extLst>
+          </p:cNvPr>
+          <p:cNvSpPr>
+            <a:spLocks noGrp="1"/>
+          </p:cNvSpPr>
+          <p:nvPr>
+            <p:ph idx="1"/>
+          </p:nvPr>
+        </p:nvSpPr>
+        <p:spPr>
+          <a:xfrm>
+            <a:off x="680321" y="2336873"/>
+            <a:ext cx="9613861" cy="4364178"/>
+          </a:xfrm>
+        </p:spPr>
+        <p:txBody>
+          <a:bodyPr/>
+          <a:lstStyle/>
+          <a:p>
+            <a:r>
+              <a:rPr lang="en-US" dirty="0"/>
+              <a:t>End Point : </a:t>
+            </a:r>
+            <a:r>
+              <a:rPr lang="en-IN" dirty="0">
+                <a:solidFill>
+                  <a:srgbClr val="505050"/>
+                </a:solidFill>
+                <a:latin typeface="OpenSans"/>
+                <a:hlinkClick r:id="rId2"/>
+              </a:rPr>
+              <a:t>https://lexa-api.uc.r.appspot.com/api/v1/accredit</a:t>
+            </a:r>
+            <a:endParaRPr lang="en-IN" dirty="0">
+              <a:solidFill>
+                <a:srgbClr val="505050"/>
+              </a:solidFill>
+              <a:latin typeface="OpenSans"/>
+            </a:endParaRPr>
+          </a:p>
+          <a:p>
             <a:r>
               <a:rPr lang="en-IN" dirty="0">
                 <a:solidFill>
@@ -8296,9 +8514,140 @@
                 </a:solidFill>
                 <a:latin typeface="OpenSans"/>
               </a:rPr>
-              <a:t>	</a:t>
-            </a:r>
-            <a:endParaRPr lang="en-IN" b="0" i="0" dirty="0">
+              <a:t>This Route Check User Auth Status / logged In Status through cookies</a:t>
+            </a:r>
+          </a:p>
+          <a:p>
+            <a:r>
+              <a:rPr lang="en-IN" b="0" i="0" dirty="0">
+                <a:solidFill>
+                  <a:srgbClr val="505050"/>
+                </a:solidFill>
+                <a:effectLst/>
+                <a:latin typeface="OpenSans"/>
+              </a:rPr>
+              <a:t>Here </a:t>
+            </a:r>
+            <a:r>
+              <a:rPr lang="en-IN" dirty="0">
+                <a:solidFill>
+                  <a:srgbClr val="505050"/>
+                </a:solidFill>
+                <a:latin typeface="OpenSans"/>
+              </a:rPr>
+              <a:t>This Route is Purposely designed only for React!!!.</a:t>
+            </a:r>
+          </a:p>
+          <a:p>
+            <a:r>
+              <a:rPr lang="en-IN" b="0" i="0" dirty="0">
+                <a:solidFill>
+                  <a:srgbClr val="505050"/>
+                </a:solidFill>
+                <a:effectLst/>
+                <a:latin typeface="OpenSans"/>
+              </a:rPr>
+              <a:t>React App has to get cookie </a:t>
+            </a:r>
+            <a:r>
+              <a:rPr lang="en-IN" dirty="0">
+                <a:solidFill>
+                  <a:srgbClr val="505050"/>
+                </a:solidFill>
+                <a:latin typeface="OpenSans"/>
+              </a:rPr>
+              <a:t>which is the name of auth_token!!!.</a:t>
+            </a:r>
+          </a:p>
+          <a:p>
+            <a:r>
+              <a:rPr lang="en-IN" dirty="0">
+                <a:solidFill>
+                  <a:srgbClr val="505050"/>
+                </a:solidFill>
+                <a:latin typeface="OpenSans"/>
+              </a:rPr>
+              <a:t>This is the most secured route as it handles auth of complete website</a:t>
+            </a:r>
+          </a:p>
+          <a:p>
+            <a:r>
+              <a:rPr lang="en-IN" b="0" i="0" dirty="0">
+                <a:solidFill>
+                  <a:srgbClr val="505050"/>
+                </a:solidFill>
+                <a:effectLst/>
+                <a:latin typeface="OpenSans"/>
+              </a:rPr>
+              <a:t>There are three checks </a:t>
+            </a:r>
+          </a:p>
+          <a:p>
+            <a:pPr lvl="1">
+              <a:buFont typeface="Wingdings" panose="05000000000000000000" pitchFamily="2" charset="2"/>
+              <a:buChar char="Ø"/>
+            </a:pPr>
+            <a:r>
+              <a:rPr lang="en-IN" dirty="0">
+                <a:solidFill>
+                  <a:srgbClr val="505050"/>
+                </a:solidFill>
+                <a:latin typeface="OpenSans"/>
+              </a:rPr>
+              <a:t>JWT token is verified , checked for modifications ,and expiry check</a:t>
+            </a:r>
+          </a:p>
+          <a:p>
+            <a:pPr lvl="1">
+              <a:buFont typeface="Wingdings" panose="05000000000000000000" pitchFamily="2" charset="2"/>
+              <a:buChar char="Ø"/>
+            </a:pPr>
+            <a:r>
+              <a:rPr lang="en-IN" b="0" i="0" dirty="0">
+                <a:solidFill>
+                  <a:srgbClr val="505050"/>
+                </a:solidFill>
+                <a:effectLst/>
+                <a:latin typeface="OpenSans"/>
+              </a:rPr>
+              <a:t>Once the </a:t>
+            </a:r>
+            <a:r>
+              <a:rPr lang="en-IN" dirty="0">
+                <a:solidFill>
+                  <a:srgbClr val="505050"/>
+                </a:solidFill>
+                <a:latin typeface="OpenSans"/>
+              </a:rPr>
+              <a:t>above checks are passed it is passed to API’s protect route !</a:t>
+            </a:r>
+          </a:p>
+          <a:p>
+            <a:pPr lvl="1">
+              <a:buFont typeface="Wingdings" panose="05000000000000000000" pitchFamily="2" charset="2"/>
+              <a:buChar char="Ø"/>
+            </a:pPr>
+            <a:r>
+              <a:rPr lang="en-US" b="0" i="0" dirty="0">
+                <a:solidFill>
+                  <a:srgbClr val="505050"/>
+                </a:solidFill>
+                <a:effectLst/>
+                <a:latin typeface="OpenSans"/>
+              </a:rPr>
+              <a:t>API’s protect route checks for bearer token and keeps the auth status for all API’s </a:t>
+            </a:r>
+            <a:r>
+              <a:rPr lang="en-US" b="0" i="0">
+                <a:solidFill>
+                  <a:srgbClr val="505050"/>
+                </a:solidFill>
+                <a:effectLst/>
+                <a:latin typeface="OpenSans"/>
+              </a:rPr>
+              <a:t>secured routes</a:t>
+            </a:r>
+            <a:endParaRPr lang="en-US" b="0" i="0" dirty="0">
               <a:solidFill>
                 <a:srgbClr val="505050"/>
               </a:solidFill>
@@ -8311,7 +8660,7 @@
     </p:spTree>
     <p:extLst>
       <p:ext uri="{BB962C8B-B14F-4D97-AF65-F5344CB8AC3E}">
-        <p14:creationId xmlns:p14="http://schemas.microsoft.com/office/powerpoint/2010/main" val="902431435"/>
+        <p14:creationId xmlns:p14="http://schemas.microsoft.com/office/powerpoint/2010/main" val="3828823835"/>
       </p:ext>
     </p:extLst>
   </p:cSld>
